--- a/PPT/09 UFT Practic.pptx
+++ b/PPT/09 UFT Practic.pptx
@@ -207,7 +207,7 @@
           <a:p>
             <a:fld id="{AC305B9E-BD77-4D0C-8B11-D405776170DD}" type="datetimeFigureOut">
               <a:rPr lang="zh-CN" altLang="en-US" smtClean="0"/>
-              <a:t>2017/8/31</a:t>
+              <a:t>2017/9/7</a:t>
             </a:fld>
             <a:endParaRPr lang="zh-CN" altLang="en-US"/>
           </a:p>
@@ -593,7 +593,7 @@
           <a:p>
             <a:fld id="{530820CF-B880-4189-942D-D702A7CBA730}" type="datetimeFigureOut">
               <a:rPr lang="zh-CN" altLang="en-US" smtClean="0"/>
-              <a:t>2017/8/31</a:t>
+              <a:t>2017/9/7</a:t>
             </a:fld>
             <a:endParaRPr lang="zh-CN" altLang="en-US"/>
           </a:p>
@@ -3018,7 +3018,7 @@
           <a:p>
             <a:fld id="{530820CF-B880-4189-942D-D702A7CBA730}" type="datetimeFigureOut">
               <a:rPr lang="zh-CN" altLang="en-US" smtClean="0"/>
-              <a:t>2017/8/31</a:t>
+              <a:t>2017/9/7</a:t>
             </a:fld>
             <a:endParaRPr lang="zh-CN" altLang="en-US"/>
           </a:p>
@@ -4938,7 +4938,7 @@
           <a:p>
             <a:fld id="{530820CF-B880-4189-942D-D702A7CBA730}" type="datetimeFigureOut">
               <a:rPr lang="zh-CN" altLang="en-US" smtClean="0"/>
-              <a:t>2017/8/31</a:t>
+              <a:t>2017/9/7</a:t>
             </a:fld>
             <a:endParaRPr lang="zh-CN" altLang="en-US"/>
           </a:p>
@@ -6823,6 +6823,13 @@
   <p:clrMapOvr>
     <a:masterClrMapping/>
   </p:clrMapOvr>
+  <p:timing>
+    <p:tnLst>
+      <p:par>
+        <p:cTn id="1" dur="indefinite" restart="never" nodeType="tmRoot"/>
+      </p:par>
+    </p:tnLst>
+  </p:timing>
 </p:sld>
 </file>
 
@@ -6906,11 +6913,25 @@
               <a:defRPr/>
             </a:pPr>
             <a:r>
+              <a:rPr lang="en-US" altLang="zh-CN" sz="8000" dirty="0">
+                <a:latin typeface="Calibri" pitchFamily="34" charset="0"/>
+                <a:ea typeface="宋体" pitchFamily="2" charset="-122"/>
+              </a:rPr>
+              <a:t>	</a:t>
+            </a:r>
+            <a:r>
+              <a:rPr lang="zh-CN" altLang="en-US" sz="8000" dirty="0" smtClean="0">
+                <a:latin typeface="Calibri" pitchFamily="34" charset="0"/>
+                <a:ea typeface="宋体" pitchFamily="2" charset="-122"/>
+              </a:rPr>
+              <a:t>编写</a:t>
+            </a:r>
+            <a:r>
               <a:rPr lang="zh-CN" altLang="en-US" sz="8000" dirty="0">
                 <a:latin typeface="Calibri" pitchFamily="34" charset="0"/>
                 <a:ea typeface="宋体" pitchFamily="2" charset="-122"/>
               </a:rPr>
-              <a:t>编写目的 </a:t>
+              <a:t>目的 </a:t>
             </a:r>
           </a:p>
           <a:p>
@@ -6928,12 +6949,23 @@
               <a:defRPr/>
             </a:pPr>
             <a:r>
-              <a:rPr lang="zh-CN" altLang="en-US" sz="8000" dirty="0">
+              <a:rPr lang="en-US" altLang="zh-CN" sz="8000" dirty="0">
                 <a:latin typeface="Calibri" pitchFamily="34" charset="0"/>
                 <a:ea typeface="宋体" pitchFamily="2" charset="-122"/>
               </a:rPr>
-              <a:t>背景 </a:t>
-            </a:r>
+              <a:t>	</a:t>
+            </a:r>
+            <a:r>
+              <a:rPr lang="zh-CN" altLang="en-US" sz="8000" dirty="0" smtClean="0">
+                <a:latin typeface="Calibri" pitchFamily="34" charset="0"/>
+                <a:ea typeface="宋体" pitchFamily="2" charset="-122"/>
+              </a:rPr>
+              <a:t>背景 </a:t>
+            </a:r>
+            <a:endParaRPr lang="zh-CN" altLang="en-US" sz="8000" dirty="0">
+              <a:latin typeface="Calibri" pitchFamily="34" charset="0"/>
+              <a:ea typeface="宋体" pitchFamily="2" charset="-122"/>
+            </a:endParaRPr>
           </a:p>
           <a:p>
             <a:pPr marL="342900" lvl="1" indent="-342900" fontAlgn="base">
@@ -6951,11 +6983,18 @@
               <a:defRPr/>
             </a:pPr>
             <a:r>
+              <a:rPr lang="zh-CN" altLang="en-US" sz="8000" smtClean="0">
+                <a:latin typeface="Calibri" pitchFamily="34" charset="0"/>
+                <a:ea typeface="宋体" pitchFamily="2" charset="-122"/>
+              </a:rPr>
+              <a:t>错误</a:t>
+            </a:r>
+            <a:r>
               <a:rPr lang="zh-CN" altLang="en-US" sz="8000" dirty="0">
                 <a:latin typeface="Calibri" pitchFamily="34" charset="0"/>
                 <a:ea typeface="宋体" pitchFamily="2" charset="-122"/>
               </a:rPr>
-              <a:t>错误级别与优先级 </a:t>
+              <a:t>级别与优先级 </a:t>
             </a:r>
           </a:p>
           <a:p>
@@ -7254,6 +7293,13 @@
   <p:clrMapOvr>
     <a:masterClrMapping/>
   </p:clrMapOvr>
+  <p:timing>
+    <p:tnLst>
+      <p:par>
+        <p:cTn id="1" dur="indefinite" restart="never" nodeType="tmRoot"/>
+      </p:par>
+    </p:tnLst>
+  </p:timing>
 </p:sld>
 </file>
 
@@ -7369,6 +7415,13 @@
   <p:clrMapOvr>
     <a:masterClrMapping/>
   </p:clrMapOvr>
+  <p:timing>
+    <p:tnLst>
+      <p:par>
+        <p:cTn id="1" dur="indefinite" restart="never" nodeType="tmRoot"/>
+      </p:par>
+    </p:tnLst>
+  </p:timing>
 </p:sld>
 </file>
 
@@ -7529,6 +7582,13 @@
   <p:clrMapOvr>
     <a:masterClrMapping/>
   </p:clrMapOvr>
+  <p:timing>
+    <p:tnLst>
+      <p:par>
+        <p:cTn id="1" dur="indefinite" restart="never" nodeType="tmRoot"/>
+      </p:par>
+    </p:tnLst>
+  </p:timing>
 </p:sld>
 </file>
 
@@ -7688,6 +7748,13 @@
   <p:clrMapOvr>
     <a:masterClrMapping/>
   </p:clrMapOvr>
+  <p:timing>
+    <p:tnLst>
+      <p:par>
+        <p:cTn id="1" dur="indefinite" restart="never" nodeType="tmRoot"/>
+      </p:par>
+    </p:tnLst>
+  </p:timing>
 </p:sld>
 </file>
 
@@ -7988,7 +8055,7 @@
         <a:sysClr val="windowText" lastClr="000000"/>
       </a:dk1>
       <a:lt1>
-        <a:sysClr val="window" lastClr="CCE8CF"/>
+        <a:sysClr val="window" lastClr="FFFFFF"/>
       </a:lt1>
       <a:dk2>
         <a:srgbClr val="1F497D"/>
@@ -8271,7 +8338,7 @@
         <a:sysClr val="windowText" lastClr="000000"/>
       </a:dk1>
       <a:lt1>
-        <a:sysClr val="window" lastClr="CCE8CF"/>
+        <a:sysClr val="window" lastClr="FFFFFF"/>
       </a:lt1>
       <a:dk2>
         <a:srgbClr val="1F497D"/>
